--- a/안소현/보고서/포인터 레지스터 수정본.pptx
+++ b/안소현/보고서/포인터 레지스터 수정본.pptx
@@ -224,7 +224,7 @@
           <a:p>
             <a:fld id="{D608FA7B-827C-4FE9-A78E-F53429730F5C}" type="datetimeFigureOut">
               <a:rPr lang="ko-KR" altLang="en-US" smtClean="0"/>
-              <a:t>2018-04-12</a:t>
+              <a:t>2018-04-13</a:t>
             </a:fld>
             <a:endParaRPr lang="ko-KR" altLang="en-US"/>
           </a:p>
@@ -1687,17 +1687,7 @@
                 <a:latin typeface="나눔바른펜" panose="020B0503000000000000" pitchFamily="50" charset="-127"/>
                 <a:ea typeface="나눔바른펜" panose="020B0503000000000000" pitchFamily="50" charset="-127"/>
               </a:rPr>
-              <a:t> 내외의 레지스터로 </a:t>
-            </a:r>
-            <a:r>
-              <a:rPr lang="ko-KR" altLang="en-US" baseline="0" dirty="0" smtClean="0">
-                <a:solidFill>
-                  <a:schemeClr val="bg1"/>
-                </a:solidFill>
-                <a:latin typeface="나눔바른펜" panose="020B0503000000000000" pitchFamily="50" charset="-127"/>
-                <a:ea typeface="나눔바른펜" panose="020B0503000000000000" pitchFamily="50" charset="-127"/>
-              </a:rPr>
-              <a:t>구성되는데</a:t>
+              <a:t> 내외의 레지스터로 구성되는데</a:t>
             </a:r>
             <a:r>
               <a:rPr lang="en-US" altLang="ko-KR" baseline="0" dirty="0" smtClean="0">
@@ -1993,19 +1983,7 @@
                 <a:ea typeface="+mn-ea"/>
                 <a:cs typeface="+mn-cs"/>
               </a:rPr>
-              <a:t>개의 범용 </a:t>
-            </a:r>
-            <a:r>
-              <a:rPr lang="ko-KR" altLang="en-US" sz="1200" b="0" i="0" kern="1200" dirty="0" smtClean="0">
-                <a:solidFill>
-                  <a:schemeClr val="tx1"/>
-                </a:solidFill>
-                <a:effectLst/>
-                <a:latin typeface="+mn-lt"/>
-                <a:ea typeface="+mn-ea"/>
-                <a:cs typeface="+mn-cs"/>
-              </a:rPr>
-              <a:t>레지스터로 구성됩니다</a:t>
+              <a:t>개의 범용 레지스터로 구성됩니다</a:t>
             </a:r>
             <a:r>
               <a:rPr lang="en-US" altLang="ko-KR" sz="1200" b="0" i="0" kern="1200" dirty="0" smtClean="0">
@@ -2316,27 +2294,7 @@
                 <a:latin typeface="나눔바른펜" panose="020B0503000000000000" pitchFamily="50" charset="-127"/>
                 <a:ea typeface="나눔바른펜" panose="020B0503000000000000" pitchFamily="50" charset="-127"/>
               </a:rPr>
-              <a:t>단</a:t>
-            </a:r>
-            <a:r>
-              <a:rPr lang="ko-KR" altLang="en-US" sz="1200" baseline="0" dirty="0" smtClean="0">
-                <a:solidFill>
-                  <a:schemeClr val="bg1"/>
-                </a:solidFill>
-                <a:latin typeface="나눔바른펜" panose="020B0503000000000000" pitchFamily="50" charset="-127"/>
-                <a:ea typeface="나눔바른펜" panose="020B0503000000000000" pitchFamily="50" charset="-127"/>
-              </a:rPr>
-              <a:t>위</a:t>
-            </a:r>
-            <a:r>
-              <a:rPr lang="ko-KR" altLang="en-US" sz="1200" baseline="0" dirty="0" smtClean="0">
-                <a:solidFill>
-                  <a:schemeClr val="bg1"/>
-                </a:solidFill>
-                <a:latin typeface="나눔바른펜" panose="020B0503000000000000" pitchFamily="50" charset="-127"/>
-                <a:ea typeface="나눔바른펜" panose="020B0503000000000000" pitchFamily="50" charset="-127"/>
-              </a:rPr>
-              <a:t>로 나눠서</a:t>
+              <a:t>단위로 나눠서</a:t>
             </a:r>
             <a:r>
               <a:rPr lang="en-US" altLang="ko-KR" sz="1200" baseline="0" dirty="0" smtClean="0">
@@ -3016,11 +2974,7 @@
           <a:p>
             <a:r>
               <a:rPr lang="ko-KR" altLang="en-US" dirty="0" smtClean="0"/>
-              <a:t>포인터 레지스터는 </a:t>
-            </a:r>
-            <a:r>
-              <a:rPr lang="ko-KR" altLang="en-US" dirty="0" smtClean="0"/>
-              <a:t>제어장치와 관련된 레지스터인 </a:t>
+              <a:t>포인터 레지스터는 제어장치와 관련된 레지스터인 </a:t>
             </a:r>
             <a:r>
               <a:rPr lang="ko-KR" altLang="en-US" sz="1200" dirty="0" smtClean="0">
@@ -3030,7 +2984,17 @@
                 <a:latin typeface="나눔바른펜" panose="020B0503000000000000" pitchFamily="50" charset="-127"/>
                 <a:ea typeface="나눔바른펜" panose="020B0503000000000000" pitchFamily="50" charset="-127"/>
               </a:rPr>
-              <a:t>메모리 </a:t>
+              <a:t>메모리 주소 레지스터에 </a:t>
+            </a:r>
+            <a:r>
+              <a:rPr lang="ko-KR" altLang="en-US" sz="1200" dirty="0" err="1" smtClean="0">
+                <a:solidFill>
+                  <a:schemeClr val="bg1"/>
+                </a:solidFill>
+                <a:latin typeface="나눔바른펜" panose="020B0503000000000000" pitchFamily="50" charset="-127"/>
+                <a:ea typeface="나눔바른펜" panose="020B0503000000000000" pitchFamily="50" charset="-127"/>
+              </a:rPr>
+              <a:t>맵핑된</a:t>
             </a:r>
             <a:r>
               <a:rPr lang="ko-KR" altLang="en-US" sz="1200" dirty="0" smtClean="0">
@@ -3040,26 +3004,6 @@
                 <a:latin typeface="나눔바른펜" panose="020B0503000000000000" pitchFamily="50" charset="-127"/>
                 <a:ea typeface="나눔바른펜" panose="020B0503000000000000" pitchFamily="50" charset="-127"/>
               </a:rPr>
-              <a:t>주소 레지스터에 </a:t>
-            </a:r>
-            <a:r>
-              <a:rPr lang="ko-KR" altLang="en-US" sz="1200" dirty="0" err="1" smtClean="0">
-                <a:solidFill>
-                  <a:schemeClr val="bg1"/>
-                </a:solidFill>
-                <a:latin typeface="나눔바른펜" panose="020B0503000000000000" pitchFamily="50" charset="-127"/>
-                <a:ea typeface="나눔바른펜" panose="020B0503000000000000" pitchFamily="50" charset="-127"/>
-              </a:rPr>
-              <a:t>맵핑된</a:t>
-            </a:r>
-            <a:r>
-              <a:rPr lang="ko-KR" altLang="en-US" sz="1200" dirty="0" smtClean="0">
-                <a:solidFill>
-                  <a:schemeClr val="bg1"/>
-                </a:solidFill>
-                <a:latin typeface="나눔바른펜" panose="020B0503000000000000" pitchFamily="50" charset="-127"/>
-                <a:ea typeface="나눔바른펜" panose="020B0503000000000000" pitchFamily="50" charset="-127"/>
-              </a:rPr>
               <a:t> 레지스터입니다</a:t>
             </a:r>
             <a:r>
@@ -3072,13 +3016,6 @@
               </a:rPr>
               <a:t>.</a:t>
             </a:r>
-            <a:endParaRPr lang="en-US" altLang="ko-KR" sz="1200" dirty="0" smtClean="0">
-              <a:solidFill>
-                <a:schemeClr val="bg1"/>
-              </a:solidFill>
-              <a:latin typeface="나눔바른펜" panose="020B0503000000000000" pitchFamily="50" charset="-127"/>
-              <a:ea typeface="나눔바른펜" panose="020B0503000000000000" pitchFamily="50" charset="-127"/>
-            </a:endParaRPr>
           </a:p>
         </p:txBody>
       </p:sp>
@@ -5806,17 +5743,7 @@
                 <a:latin typeface="나눔바른펜" panose="020B0503000000000000" pitchFamily="50" charset="-127"/>
                 <a:ea typeface="나눔바른펜" panose="020B0503000000000000" pitchFamily="50" charset="-127"/>
               </a:rPr>
-              <a:t> 새로운 </a:t>
-            </a:r>
-            <a:r>
-              <a:rPr lang="ko-KR" altLang="en-US" sz="2000" dirty="0" smtClean="0">
-                <a:solidFill>
-                  <a:schemeClr val="bg1"/>
-                </a:solidFill>
-                <a:latin typeface="나눔바른펜" panose="020B0503000000000000" pitchFamily="50" charset="-127"/>
-                <a:ea typeface="나눔바른펜" panose="020B0503000000000000" pitchFamily="50" charset="-127"/>
-              </a:rPr>
-              <a:t>함수 호출</a:t>
+              <a:t> 새로운 함수 호출</a:t>
             </a:r>
             <a:r>
               <a:rPr lang="en-US" altLang="ko-KR" sz="2000" dirty="0" smtClean="0">
@@ -5828,13 +5755,6 @@
               </a:rPr>
               <a:t>/</a:t>
             </a:r>
-            <a:endParaRPr lang="en-US" altLang="ko-KR" sz="2000" dirty="0" smtClean="0">
-              <a:solidFill>
-                <a:schemeClr val="bg1"/>
-              </a:solidFill>
-              <a:latin typeface="나눔바른펜" panose="020B0503000000000000" pitchFamily="50" charset="-127"/>
-              <a:ea typeface="나눔바른펜" panose="020B0503000000000000" pitchFamily="50" charset="-127"/>
-            </a:endParaRPr>
           </a:p>
           <a:p>
             <a:pPr>
@@ -5870,27 +5790,7 @@
                 <a:latin typeface="나눔바른펜" panose="020B0503000000000000" pitchFamily="50" charset="-127"/>
                 <a:ea typeface="나눔바른펜" panose="020B0503000000000000" pitchFamily="50" charset="-127"/>
               </a:rPr>
-              <a:t>현재 </a:t>
-            </a:r>
-            <a:r>
-              <a:rPr lang="ko-KR" altLang="en-US" sz="2000" dirty="0" smtClean="0">
-                <a:solidFill>
-                  <a:schemeClr val="bg1"/>
-                </a:solidFill>
-                <a:latin typeface="나눔바른펜" panose="020B0503000000000000" pitchFamily="50" charset="-127"/>
-                <a:ea typeface="나눔바른펜" panose="020B0503000000000000" pitchFamily="50" charset="-127"/>
-              </a:rPr>
-              <a:t>실행 중인 함수 종료 시 </a:t>
-            </a:r>
-            <a:r>
-              <a:rPr lang="ko-KR" altLang="en-US" sz="2000" dirty="0" smtClean="0">
-                <a:solidFill>
-                  <a:schemeClr val="bg1"/>
-                </a:solidFill>
-                <a:latin typeface="나눔바른펜" panose="020B0503000000000000" pitchFamily="50" charset="-127"/>
-                <a:ea typeface="나눔바른펜" panose="020B0503000000000000" pitchFamily="50" charset="-127"/>
-              </a:rPr>
-              <a:t>값이 변경됨</a:t>
+              <a:t>현재 실행 중인 함수 종료 시 값이 변경됨</a:t>
             </a:r>
             <a:r>
               <a:rPr lang="en-US" altLang="ko-KR" sz="2000" dirty="0" smtClean="0">
@@ -8507,7 +8407,17 @@
                 <a:latin typeface="나눔바른펜" panose="020B0503000000000000" pitchFamily="50" charset="-127"/>
                 <a:ea typeface="나눔바른펜" panose="020B0503000000000000" pitchFamily="50" charset="-127"/>
               </a:rPr>
-              <a:t>▶ </a:t>
+              <a:t>▶ 메모리 주소 레지스터</a:t>
+            </a:r>
+            <a:r>
+              <a:rPr lang="en-US" altLang="ko-KR" sz="2000" dirty="0" smtClean="0">
+                <a:solidFill>
+                  <a:schemeClr val="bg1"/>
+                </a:solidFill>
+                <a:latin typeface="나눔바른펜" panose="020B0503000000000000" pitchFamily="50" charset="-127"/>
+                <a:ea typeface="나눔바른펜" panose="020B0503000000000000" pitchFamily="50" charset="-127"/>
+              </a:rPr>
+              <a:t>(MAR)</a:t>
             </a:r>
             <a:r>
               <a:rPr lang="ko-KR" altLang="en-US" sz="2000" dirty="0" smtClean="0">
@@ -8517,7 +8427,17 @@
                 <a:latin typeface="나눔바른펜" panose="020B0503000000000000" pitchFamily="50" charset="-127"/>
                 <a:ea typeface="나눔바른펜" panose="020B0503000000000000" pitchFamily="50" charset="-127"/>
               </a:rPr>
-              <a:t>메모리 </a:t>
+              <a:t>에 </a:t>
+            </a:r>
+            <a:r>
+              <a:rPr lang="ko-KR" altLang="en-US" sz="2000" dirty="0" err="1" smtClean="0">
+                <a:solidFill>
+                  <a:schemeClr val="bg1"/>
+                </a:solidFill>
+                <a:latin typeface="나눔바른펜" panose="020B0503000000000000" pitchFamily="50" charset="-127"/>
+                <a:ea typeface="나눔바른펜" panose="020B0503000000000000" pitchFamily="50" charset="-127"/>
+              </a:rPr>
+              <a:t>맵핑된</a:t>
             </a:r>
             <a:r>
               <a:rPr lang="ko-KR" altLang="en-US" sz="2000" dirty="0" smtClean="0">
@@ -8527,7 +8447,7 @@
                 <a:latin typeface="나눔바른펜" panose="020B0503000000000000" pitchFamily="50" charset="-127"/>
                 <a:ea typeface="나눔바른펜" panose="020B0503000000000000" pitchFamily="50" charset="-127"/>
               </a:rPr>
-              <a:t>주소 레지스터</a:t>
+              <a:t> 레지스터</a:t>
             </a:r>
             <a:r>
               <a:rPr lang="en-US" altLang="ko-KR" sz="2000" dirty="0" smtClean="0">
@@ -8537,55 +8457,8 @@
                 <a:latin typeface="나눔바른펜" panose="020B0503000000000000" pitchFamily="50" charset="-127"/>
                 <a:ea typeface="나눔바른펜" panose="020B0503000000000000" pitchFamily="50" charset="-127"/>
               </a:rPr>
-              <a:t>(MAR)</a:t>
-            </a:r>
-            <a:r>
-              <a:rPr lang="ko-KR" altLang="en-US" sz="2000" dirty="0" smtClean="0">
-                <a:solidFill>
-                  <a:schemeClr val="bg1"/>
-                </a:solidFill>
-                <a:latin typeface="나눔바른펜" panose="020B0503000000000000" pitchFamily="50" charset="-127"/>
-                <a:ea typeface="나눔바른펜" panose="020B0503000000000000" pitchFamily="50" charset="-127"/>
-              </a:rPr>
-              <a:t>에 </a:t>
-            </a:r>
-            <a:r>
-              <a:rPr lang="ko-KR" altLang="en-US" sz="2000" dirty="0" err="1" smtClean="0">
-                <a:solidFill>
-                  <a:schemeClr val="bg1"/>
-                </a:solidFill>
-                <a:latin typeface="나눔바른펜" panose="020B0503000000000000" pitchFamily="50" charset="-127"/>
-                <a:ea typeface="나눔바른펜" panose="020B0503000000000000" pitchFamily="50" charset="-127"/>
-              </a:rPr>
-              <a:t>맵핑된</a:t>
-            </a:r>
-            <a:r>
-              <a:rPr lang="ko-KR" altLang="en-US" sz="2000" dirty="0" smtClean="0">
-                <a:solidFill>
-                  <a:schemeClr val="bg1"/>
-                </a:solidFill>
-                <a:latin typeface="나눔바른펜" panose="020B0503000000000000" pitchFamily="50" charset="-127"/>
-                <a:ea typeface="나눔바른펜" panose="020B0503000000000000" pitchFamily="50" charset="-127"/>
-              </a:rPr>
-              <a:t> 레지스터</a:t>
-            </a:r>
-            <a:r>
-              <a:rPr lang="en-US" altLang="ko-KR" sz="2000" dirty="0" smtClean="0">
-                <a:solidFill>
-                  <a:schemeClr val="bg1"/>
-                </a:solidFill>
-                <a:latin typeface="나눔바른펜" panose="020B0503000000000000" pitchFamily="50" charset="-127"/>
-                <a:ea typeface="나눔바른펜" panose="020B0503000000000000" pitchFamily="50" charset="-127"/>
-              </a:rPr>
               <a:t>.</a:t>
             </a:r>
-            <a:endParaRPr lang="en-US" altLang="ko-KR" sz="2000" dirty="0" smtClean="0">
-              <a:solidFill>
-                <a:schemeClr val="bg1"/>
-              </a:solidFill>
-              <a:latin typeface="나눔바른펜" panose="020B0503000000000000" pitchFamily="50" charset="-127"/>
-              <a:ea typeface="나눔바른펜" panose="020B0503000000000000" pitchFamily="50" charset="-127"/>
-            </a:endParaRPr>
           </a:p>
         </p:txBody>
       </p:sp>
